--- a/Documents/Presentation.pptx
+++ b/Documents/Presentation.pptx
@@ -2398,8 +2398,8 @@
         </p:blipFill>
         <p:spPr>
           <a:xfrm>
-            <a:off x="1600200" y="1746915"/>
-            <a:ext cx="1941107" cy="1960884"/>
+            <a:off x="938835" y="1970767"/>
+            <a:ext cx="1705462" cy="1722838"/>
           </a:xfrm>
           <a:prstGeom prst="rect">
             <a:avLst/>
@@ -2420,8 +2420,8 @@
         </p:blipFill>
         <p:spPr>
           <a:xfrm>
-            <a:off x="3960975" y="1767697"/>
-            <a:ext cx="2288850" cy="1956266"/>
+            <a:off x="3048000" y="2046604"/>
+            <a:ext cx="1927007" cy="1647001"/>
           </a:xfrm>
           <a:prstGeom prst="rect">
             <a:avLst/>
@@ -2442,8 +2442,8 @@
         </p:blipFill>
         <p:spPr>
           <a:xfrm>
-            <a:off x="6908800" y="1746915"/>
-            <a:ext cx="2099282" cy="1951648"/>
+            <a:off x="5397315" y="1970767"/>
+            <a:ext cx="1918792" cy="1783851"/>
           </a:xfrm>
           <a:prstGeom prst="rect">
             <a:avLst/>
@@ -2464,7 +2464,7 @@
         </p:blipFill>
         <p:spPr>
           <a:xfrm>
-            <a:off x="1600200" y="4475881"/>
+            <a:off x="931701" y="4413038"/>
             <a:ext cx="1705462" cy="1705462"/>
           </a:xfrm>
           <a:prstGeom prst="rect">
@@ -2486,7 +2486,7 @@
         </p:blipFill>
         <p:spPr>
           <a:xfrm>
-            <a:off x="3888359" y="4524905"/>
+            <a:off x="3097103" y="4431893"/>
             <a:ext cx="1828800" cy="1705462"/>
           </a:xfrm>
           <a:prstGeom prst="rect">
@@ -2522,8 +2522,8 @@
         </p:blipFill>
         <p:spPr>
           <a:xfrm>
-            <a:off x="9613667" y="1767697"/>
-            <a:ext cx="1956266" cy="1956266"/>
+            <a:off x="7867787" y="2039191"/>
+            <a:ext cx="1647001" cy="1647001"/>
           </a:xfrm>
           <a:prstGeom prst="rect">
             <a:avLst/>
@@ -2544,7 +2544,7 @@
           </p:cNvPicPr>
           <p:nvPr/>
         </p:nvPicPr>
-        <p:blipFill>
+        <p:blipFill rotWithShape="1">
           <a:blip r:embed="rId8" cstate="print">
             <a:extLst>
               <a:ext uri="{28A0092B-C50C-407E-A947-70E740481C1C}">
@@ -2552,14 +2552,13 @@
               </a:ext>
             </a:extLst>
           </a:blip>
-          <a:stretch>
-            <a:fillRect/>
-          </a:stretch>
+          <a:srcRect l="25051" t="24176" r="26849" b="30268"/>
+          <a:stretch/>
         </p:blipFill>
         <p:spPr>
           <a:xfrm>
-            <a:off x="5963852" y="3581400"/>
-            <a:ext cx="3989177" cy="3989177"/>
+            <a:off x="5224896" y="4401157"/>
+            <a:ext cx="1918792" cy="1817329"/>
           </a:xfrm>
           <a:prstGeom prst="rect">
             <a:avLst/>
@@ -2594,8 +2593,44 @@
         </p:blipFill>
         <p:spPr>
           <a:xfrm>
-            <a:off x="9639300" y="4524905"/>
+            <a:off x="7609788" y="4459312"/>
             <a:ext cx="1905000" cy="1771055"/>
+          </a:xfrm>
+          <a:prstGeom prst="rect">
+            <a:avLst/>
+          </a:prstGeom>
+        </p:spPr>
+      </p:pic>
+      <p:pic>
+        <p:nvPicPr>
+          <p:cNvPr id="11" name="Picture 10" descr="Icon&#10;&#10;Description automatically generated">
+            <a:extLst>
+              <a:ext uri="{FF2B5EF4-FFF2-40B4-BE49-F238E27FC236}">
+                <a16:creationId xmlns:a16="http://schemas.microsoft.com/office/drawing/2014/main" id="{351FD916-A3FA-4401-BCB6-142281B52D31}"/>
+              </a:ext>
+            </a:extLst>
+          </p:cNvPr>
+          <p:cNvPicPr>
+            <a:picLocks noChangeAspect="1"/>
+          </p:cNvPicPr>
+          <p:nvPr/>
+        </p:nvPicPr>
+        <p:blipFill>
+          <a:blip r:embed="rId10">
+            <a:extLst>
+              <a:ext uri="{28A0092B-C50C-407E-A947-70E740481C1C}">
+                <a14:useLocalDpi xmlns:a14="http://schemas.microsoft.com/office/drawing/2010/main" val="0"/>
+              </a:ext>
+            </a:extLst>
+          </a:blip>
+          <a:stretch>
+            <a:fillRect/>
+          </a:stretch>
+        </p:blipFill>
+        <p:spPr>
+          <a:xfrm>
+            <a:off x="9970002" y="3124200"/>
+            <a:ext cx="1905000" cy="2141569"/>
           </a:xfrm>
           <a:prstGeom prst="rect">
             <a:avLst/>

--- a/Documents/Presentation.pptx
+++ b/Documents/Presentation.pptx
@@ -9,10 +9,9 @@
     <p:sldId id="257" r:id="rId3"/>
     <p:sldId id="258" r:id="rId4"/>
     <p:sldId id="259" r:id="rId5"/>
-    <p:sldId id="266" r:id="rId6"/>
-    <p:sldId id="267" r:id="rId7"/>
-    <p:sldId id="264" r:id="rId8"/>
-    <p:sldId id="265" r:id="rId9"/>
+    <p:sldId id="267" r:id="rId6"/>
+    <p:sldId id="264" r:id="rId7"/>
+    <p:sldId id="265" r:id="rId8"/>
   </p:sldIdLst>
   <p:sldSz cx="12192000" cy="6858000"/>
   <p:notesSz cx="12192000" cy="6858000"/>
@@ -2667,109 +2666,6 @@
           <p:cNvPr id="2" name="Title 1">
             <a:extLst>
               <a:ext uri="{FF2B5EF4-FFF2-40B4-BE49-F238E27FC236}">
-                <a16:creationId xmlns:a16="http://schemas.microsoft.com/office/drawing/2014/main" id="{3DB168A8-11BD-4A91-B3E3-27E662BBA8D7}"/>
-              </a:ext>
-            </a:extLst>
-          </p:cNvPr>
-          <p:cNvSpPr>
-            <a:spLocks noGrp="1"/>
-          </p:cNvSpPr>
-          <p:nvPr>
-            <p:ph type="title"/>
-          </p:nvPr>
-        </p:nvSpPr>
-        <p:spPr>
-          <a:xfrm>
-            <a:off x="2042541" y="381000"/>
-            <a:ext cx="8106918" cy="696595"/>
-          </a:xfrm>
-        </p:spPr>
-        <p:txBody>
-          <a:bodyPr/>
-          <a:lstStyle/>
-          <a:p>
-            <a:r>
-              <a:rPr lang="en-US" dirty="0"/>
-              <a:t>Used functions</a:t>
-            </a:r>
-          </a:p>
-        </p:txBody>
-      </p:sp>
-      <p:pic>
-        <p:nvPicPr>
-          <p:cNvPr id="6" name="Picture 5">
-            <a:extLst>
-              <a:ext uri="{FF2B5EF4-FFF2-40B4-BE49-F238E27FC236}">
-                <a16:creationId xmlns:a16="http://schemas.microsoft.com/office/drawing/2014/main" id="{5A1E9112-050E-416C-AA9F-0CEBA5E0F0E5}"/>
-              </a:ext>
-            </a:extLst>
-          </p:cNvPr>
-          <p:cNvPicPr>
-            <a:picLocks noChangeAspect="1"/>
-          </p:cNvPicPr>
-          <p:nvPr/>
-        </p:nvPicPr>
-        <p:blipFill>
-          <a:blip r:embed="rId2"/>
-          <a:stretch>
-            <a:fillRect/>
-          </a:stretch>
-        </p:blipFill>
-        <p:spPr>
-          <a:xfrm>
-            <a:off x="1752600" y="1447800"/>
-            <a:ext cx="9431307" cy="4648200"/>
-          </a:xfrm>
-          <a:prstGeom prst="rect">
-            <a:avLst/>
-          </a:prstGeom>
-          <a:ln>
-            <a:noFill/>
-          </a:ln>
-          <a:effectLst>
-            <a:outerShdw blurRad="292100" dist="139700" dir="2700000" algn="tl" rotWithShape="0">
-              <a:srgbClr val="333333">
-                <a:alpha val="65000"/>
-              </a:srgbClr>
-            </a:outerShdw>
-          </a:effectLst>
-        </p:spPr>
-      </p:pic>
-    </p:spTree>
-    <p:extLst>
-      <p:ext uri="{BB962C8B-B14F-4D97-AF65-F5344CB8AC3E}">
-        <p14:creationId xmlns:p14="http://schemas.microsoft.com/office/powerpoint/2010/main" val="3505953586"/>
-      </p:ext>
-    </p:extLst>
-  </p:cSld>
-  <p:clrMapOvr>
-    <a:masterClrMapping/>
-  </p:clrMapOvr>
-</p:sld>
-</file>
-
-<file path=ppt/slides/slide6.xml><?xml version="1.0" encoding="utf-8"?>
-<p:sld xmlns:a="http://schemas.openxmlformats.org/drawingml/2006/main" xmlns:r="http://schemas.openxmlformats.org/officeDocument/2006/relationships" xmlns:p="http://schemas.openxmlformats.org/presentationml/2006/main">
-  <p:cSld>
-    <p:spTree>
-      <p:nvGrpSpPr>
-        <p:cNvPr id="1" name=""/>
-        <p:cNvGrpSpPr/>
-        <p:nvPr/>
-      </p:nvGrpSpPr>
-      <p:grpSpPr>
-        <a:xfrm>
-          <a:off x="0" y="0"/>
-          <a:ext cx="0" cy="0"/>
-          <a:chOff x="0" y="0"/>
-          <a:chExt cx="0" cy="0"/>
-        </a:xfrm>
-      </p:grpSpPr>
-      <p:sp>
-        <p:nvSpPr>
-          <p:cNvPr id="2" name="Title 1">
-            <a:extLst>
-              <a:ext uri="{FF2B5EF4-FFF2-40B4-BE49-F238E27FC236}">
                 <a16:creationId xmlns:a16="http://schemas.microsoft.com/office/drawing/2014/main" id="{96AD83F8-B9D3-44E9-B592-76F4D948796B}"/>
               </a:ext>
             </a:extLst>
@@ -2901,7 +2797,7 @@
 </p:sld>
 </file>
 
-<file path=ppt/slides/slide7.xml><?xml version="1.0" encoding="utf-8"?>
+<file path=ppt/slides/slide6.xml><?xml version="1.0" encoding="utf-8"?>
 <p:sld xmlns:a="http://schemas.openxmlformats.org/drawingml/2006/main" xmlns:r="http://schemas.openxmlformats.org/officeDocument/2006/relationships" xmlns:p="http://schemas.openxmlformats.org/presentationml/2006/main">
   <p:cSld>
     <p:spTree>
@@ -2948,7 +2844,7 @@
 </p:sld>
 </file>
 
-<file path=ppt/slides/slide8.xml><?xml version="1.0" encoding="utf-8"?>
+<file path=ppt/slides/slide7.xml><?xml version="1.0" encoding="utf-8"?>
 <p:sld xmlns:a="http://schemas.openxmlformats.org/drawingml/2006/main" xmlns:r="http://schemas.openxmlformats.org/officeDocument/2006/relationships" xmlns:p="http://schemas.openxmlformats.org/presentationml/2006/main">
   <p:cSld>
     <p:spTree>

--- a/Documents/Presentation.pptx
+++ b/Documents/Presentation.pptx
@@ -9,9 +9,8 @@
     <p:sldId id="257" r:id="rId3"/>
     <p:sldId id="258" r:id="rId4"/>
     <p:sldId id="259" r:id="rId5"/>
-    <p:sldId id="267" r:id="rId6"/>
-    <p:sldId id="264" r:id="rId7"/>
-    <p:sldId id="265" r:id="rId8"/>
+    <p:sldId id="264" r:id="rId6"/>
+    <p:sldId id="265" r:id="rId7"/>
   </p:sldIdLst>
   <p:sldSz cx="12192000" cy="6858000"/>
   <p:notesSz cx="12192000" cy="6858000"/>
@@ -468,7 +467,7 @@
           <a:p>
             <a:fld id="{1D8BD707-D9CF-40AE-B4C6-C98DA3205C09}" type="datetimeFigureOut">
               <a:rPr lang="en-US"/>
-              <a:t>11/8/2021</a:t>
+              <a:t>11/10/2021</a:t>
             </a:fld>
             <a:endParaRPr lang="en-US"/>
           </a:p>
@@ -639,7 +638,7 @@
           <a:p>
             <a:fld id="{1D8BD707-D9CF-40AE-B4C6-C98DA3205C09}" type="datetimeFigureOut">
               <a:rPr lang="en-US"/>
-              <a:t>11/8/2021</a:t>
+              <a:t>11/10/2021</a:t>
             </a:fld>
             <a:endParaRPr lang="en-US"/>
           </a:p>
@@ -853,7 +852,7 @@
           <a:p>
             <a:fld id="{1D8BD707-D9CF-40AE-B4C6-C98DA3205C09}" type="datetimeFigureOut">
               <a:rPr lang="en-US"/>
-              <a:t>11/8/2021</a:t>
+              <a:t>11/10/2021</a:t>
             </a:fld>
             <a:endParaRPr lang="en-US"/>
           </a:p>
@@ -1001,7 +1000,7 @@
           <a:p>
             <a:fld id="{1D8BD707-D9CF-40AE-B4C6-C98DA3205C09}" type="datetimeFigureOut">
               <a:rPr lang="en-US"/>
-              <a:t>11/8/2021</a:t>
+              <a:t>11/10/2021</a:t>
             </a:fld>
             <a:endParaRPr lang="en-US"/>
           </a:p>
@@ -1120,7 +1119,7 @@
           <a:p>
             <a:fld id="{1D8BD707-D9CF-40AE-B4C6-C98DA3205C09}" type="datetimeFigureOut">
               <a:rPr lang="en-US"/>
-              <a:t>11/8/2021</a:t>
+              <a:t>11/10/2021</a:t>
             </a:fld>
             <a:endParaRPr lang="en-US"/>
           </a:p>
@@ -1439,7 +1438,7 @@
           <a:p>
             <a:fld id="{1D8BD707-D9CF-40AE-B4C6-C98DA3205C09}" type="datetimeFigureOut">
               <a:rPr lang="en-US"/>
-              <a:t>11/8/2021</a:t>
+              <a:t>11/10/2021</a:t>
             </a:fld>
             <a:endParaRPr lang="en-US"/>
           </a:p>
@@ -2147,8 +2146,8 @@
         </p:nvSpPr>
         <p:spPr>
           <a:xfrm>
-            <a:off x="1069594" y="1752600"/>
-            <a:ext cx="5026406" cy="3071995"/>
+            <a:off x="1069594" y="2739388"/>
+            <a:ext cx="5026406" cy="1379224"/>
           </a:xfrm>
           <a:prstGeom prst="rect">
             <a:avLst/>
@@ -2181,7 +2180,7 @@
                 <a:latin typeface="Franklin Gothic Medium"/>
                 <a:cs typeface="Franklin Gothic Medium"/>
               </a:rPr>
-              <a:t>We have had a lot of meetings, where we have discussed everyone’s tasks.</a:t>
+              <a:t>Arrange tasks to every person in the team.</a:t>
             </a:r>
           </a:p>
           <a:p>
@@ -2206,7 +2205,7 @@
                 <a:latin typeface="Franklin Gothic Medium"/>
                 <a:cs typeface="Franklin Gothic Medium"/>
               </a:rPr>
-              <a:t>After giving away the tasks each one of us had to do, we started to realize them.</a:t>
+              <a:t>Working on our given tasks.</a:t>
             </a:r>
           </a:p>
           <a:p>
@@ -2231,32 +2230,7 @@
                 <a:latin typeface="Franklin Gothic Medium"/>
                 <a:cs typeface="Franklin Gothic Medium"/>
               </a:rPr>
-              <a:t>The process of the project’s realization went smooth.</a:t>
-            </a:r>
-          </a:p>
-          <a:p>
-            <a:pPr marL="396240" indent="-384175">
-              <a:lnSpc>
-                <a:spcPct val="100000"/>
-              </a:lnSpc>
-              <a:spcBef>
-                <a:spcPts val="1155"/>
-              </a:spcBef>
-              <a:buChar char="■"/>
-              <a:tabLst>
-                <a:tab pos="396240" algn="l"/>
-                <a:tab pos="396875" algn="l"/>
-              </a:tabLst>
-            </a:pPr>
-            <a:r>
-              <a:rPr lang="en-US" sz="2000" spc="-20" dirty="0">
-                <a:solidFill>
-                  <a:srgbClr val="1A2D40"/>
-                </a:solidFill>
-                <a:latin typeface="Franklin Gothic Medium"/>
-                <a:cs typeface="Franklin Gothic Medium"/>
-              </a:rPr>
-              <a:t>At this point the game is done, but we still have ideas about the project, in the future.</a:t>
+              <a:t>Preparing for the project presentation.</a:t>
             </a:r>
             <a:endParaRPr sz="2000" dirty="0">
               <a:latin typeface="Franklin Gothic Medium"/>
@@ -2279,7 +2253,7 @@
         </p:blipFill>
         <p:spPr>
           <a:xfrm>
-            <a:off x="6400800" y="1638300"/>
+            <a:off x="6477000" y="1638300"/>
             <a:ext cx="5437632" cy="3581400"/>
           </a:xfrm>
           <a:prstGeom prst="snip2DiagRect">
@@ -2397,7 +2371,7 @@
         </p:blipFill>
         <p:spPr>
           <a:xfrm>
-            <a:off x="938835" y="1970767"/>
+            <a:off x="8305800" y="592093"/>
             <a:ext cx="1705462" cy="1722838"/>
           </a:xfrm>
           <a:prstGeom prst="rect">
@@ -2419,7 +2393,7 @@
         </p:blipFill>
         <p:spPr>
           <a:xfrm>
-            <a:off x="3048000" y="2046604"/>
+            <a:off x="1178311" y="1915778"/>
             <a:ext cx="1927007" cy="1647001"/>
           </a:xfrm>
           <a:prstGeom prst="rect">
@@ -2441,7 +2415,7 @@
         </p:blipFill>
         <p:spPr>
           <a:xfrm>
-            <a:off x="5397315" y="1970767"/>
+            <a:off x="1178311" y="4459312"/>
             <a:ext cx="1918792" cy="1783851"/>
           </a:xfrm>
           <a:prstGeom prst="rect">
@@ -2463,7 +2437,7 @@
         </p:blipFill>
         <p:spPr>
           <a:xfrm>
-            <a:off x="931701" y="4413038"/>
+            <a:off x="9517082" y="2456139"/>
             <a:ext cx="1705462" cy="1705462"/>
           </a:xfrm>
           <a:prstGeom prst="rect">
@@ -2485,7 +2459,7 @@
         </p:blipFill>
         <p:spPr>
           <a:xfrm>
-            <a:off x="3097103" y="4431893"/>
+            <a:off x="9254714" y="4887769"/>
             <a:ext cx="1828800" cy="1705462"/>
           </a:xfrm>
           <a:prstGeom prst="rect">
@@ -2521,7 +2495,7 @@
         </p:blipFill>
         <p:spPr>
           <a:xfrm>
-            <a:off x="7867787" y="2039191"/>
+            <a:off x="6968156" y="2514600"/>
             <a:ext cx="1647001" cy="1647001"/>
           </a:xfrm>
           <a:prstGeom prst="rect">
@@ -2556,8 +2530,8 @@
         </p:blipFill>
         <p:spPr>
           <a:xfrm>
-            <a:off x="5224896" y="4401157"/>
-            <a:ext cx="1918792" cy="1817329"/>
+            <a:off x="4191000" y="4892242"/>
+            <a:ext cx="1905000" cy="1804266"/>
           </a:xfrm>
           <a:prstGeom prst="rect">
             <a:avLst/>
@@ -2592,7 +2566,7 @@
         </p:blipFill>
         <p:spPr>
           <a:xfrm>
-            <a:off x="7609788" y="4459312"/>
+            <a:off x="6710157" y="4822176"/>
             <a:ext cx="1905000" cy="1771055"/>
           </a:xfrm>
           <a:prstGeom prst="rect">
@@ -2628,8 +2602,8 @@
         </p:blipFill>
         <p:spPr>
           <a:xfrm>
-            <a:off x="9970002" y="3124200"/>
-            <a:ext cx="1905000" cy="2141569"/>
+            <a:off x="3614745" y="1453512"/>
+            <a:ext cx="2880929" cy="3238692"/>
           </a:xfrm>
           <a:prstGeom prst="rect">
             <a:avLst/>
@@ -2645,159 +2619,6 @@
 </file>
 
 <file path=ppt/slides/slide5.xml><?xml version="1.0" encoding="utf-8"?>
-<p:sld xmlns:a="http://schemas.openxmlformats.org/drawingml/2006/main" xmlns:r="http://schemas.openxmlformats.org/officeDocument/2006/relationships" xmlns:p="http://schemas.openxmlformats.org/presentationml/2006/main">
-  <p:cSld>
-    <p:spTree>
-      <p:nvGrpSpPr>
-        <p:cNvPr id="1" name=""/>
-        <p:cNvGrpSpPr/>
-        <p:nvPr/>
-      </p:nvGrpSpPr>
-      <p:grpSpPr>
-        <a:xfrm>
-          <a:off x="0" y="0"/>
-          <a:ext cx="0" cy="0"/>
-          <a:chOff x="0" y="0"/>
-          <a:chExt cx="0" cy="0"/>
-        </a:xfrm>
-      </p:grpSpPr>
-      <p:sp>
-        <p:nvSpPr>
-          <p:cNvPr id="2" name="Title 1">
-            <a:extLst>
-              <a:ext uri="{FF2B5EF4-FFF2-40B4-BE49-F238E27FC236}">
-                <a16:creationId xmlns:a16="http://schemas.microsoft.com/office/drawing/2014/main" id="{96AD83F8-B9D3-44E9-B592-76F4D948796B}"/>
-              </a:ext>
-            </a:extLst>
-          </p:cNvPr>
-          <p:cNvSpPr>
-            <a:spLocks noGrp="1"/>
-          </p:cNvSpPr>
-          <p:nvPr>
-            <p:ph type="title"/>
-          </p:nvPr>
-        </p:nvSpPr>
-        <p:spPr>
-          <a:xfrm>
-            <a:off x="1828800" y="457200"/>
-            <a:ext cx="8106918" cy="696595"/>
-          </a:xfrm>
-        </p:spPr>
-        <p:txBody>
-          <a:bodyPr/>
-          <a:lstStyle/>
-          <a:p>
-            <a:r>
-              <a:rPr lang="en-US" dirty="0"/>
-              <a:t>Menu photos</a:t>
-            </a:r>
-          </a:p>
-        </p:txBody>
-      </p:sp>
-      <p:pic>
-        <p:nvPicPr>
-          <p:cNvPr id="4" name="Picture 3">
-            <a:extLst>
-              <a:ext uri="{FF2B5EF4-FFF2-40B4-BE49-F238E27FC236}">
-                <a16:creationId xmlns:a16="http://schemas.microsoft.com/office/drawing/2014/main" id="{D5423C59-D586-4D51-BD1E-A614A9BD6FDC}"/>
-              </a:ext>
-            </a:extLst>
-          </p:cNvPr>
-          <p:cNvPicPr>
-            <a:picLocks noChangeAspect="1"/>
-          </p:cNvPicPr>
-          <p:nvPr/>
-        </p:nvPicPr>
-        <p:blipFill>
-          <a:blip r:embed="rId2"/>
-          <a:stretch>
-            <a:fillRect/>
-          </a:stretch>
-        </p:blipFill>
-        <p:spPr>
-          <a:xfrm>
-            <a:off x="1828800" y="1854200"/>
-            <a:ext cx="3757670" cy="3904005"/>
-          </a:xfrm>
-          <a:prstGeom prst="rect">
-            <a:avLst/>
-          </a:prstGeom>
-        </p:spPr>
-      </p:pic>
-      <p:pic>
-        <p:nvPicPr>
-          <p:cNvPr id="6" name="Picture 5">
-            <a:extLst>
-              <a:ext uri="{FF2B5EF4-FFF2-40B4-BE49-F238E27FC236}">
-                <a16:creationId xmlns:a16="http://schemas.microsoft.com/office/drawing/2014/main" id="{CDC89E1F-6C35-49DA-9E46-EBDDABC05FC9}"/>
-              </a:ext>
-            </a:extLst>
-          </p:cNvPr>
-          <p:cNvPicPr>
-            <a:picLocks noChangeAspect="1"/>
-          </p:cNvPicPr>
-          <p:nvPr/>
-        </p:nvPicPr>
-        <p:blipFill>
-          <a:blip r:embed="rId3"/>
-          <a:stretch>
-            <a:fillRect/>
-          </a:stretch>
-        </p:blipFill>
-        <p:spPr>
-          <a:xfrm>
-            <a:off x="6383909" y="305269"/>
-            <a:ext cx="4711700" cy="3047062"/>
-          </a:xfrm>
-          <a:prstGeom prst="rect">
-            <a:avLst/>
-          </a:prstGeom>
-        </p:spPr>
-      </p:pic>
-      <p:pic>
-        <p:nvPicPr>
-          <p:cNvPr id="8" name="Picture 7">
-            <a:extLst>
-              <a:ext uri="{FF2B5EF4-FFF2-40B4-BE49-F238E27FC236}">
-                <a16:creationId xmlns:a16="http://schemas.microsoft.com/office/drawing/2014/main" id="{88331C3F-FAC6-4017-A1A9-1E76F6A01522}"/>
-              </a:ext>
-            </a:extLst>
-          </p:cNvPr>
-          <p:cNvPicPr>
-            <a:picLocks noChangeAspect="1"/>
-          </p:cNvPicPr>
-          <p:nvPr/>
-        </p:nvPicPr>
-        <p:blipFill>
-          <a:blip r:embed="rId4"/>
-          <a:stretch>
-            <a:fillRect/>
-          </a:stretch>
-        </p:blipFill>
-        <p:spPr>
-          <a:xfrm>
-            <a:off x="5897118" y="3435198"/>
-            <a:ext cx="5715000" cy="2965602"/>
-          </a:xfrm>
-          <a:prstGeom prst="rect">
-            <a:avLst/>
-          </a:prstGeom>
-        </p:spPr>
-      </p:pic>
-    </p:spTree>
-    <p:extLst>
-      <p:ext uri="{BB962C8B-B14F-4D97-AF65-F5344CB8AC3E}">
-        <p14:creationId xmlns:p14="http://schemas.microsoft.com/office/powerpoint/2010/main" val="4146248606"/>
-      </p:ext>
-    </p:extLst>
-  </p:cSld>
-  <p:clrMapOvr>
-    <a:masterClrMapping/>
-  </p:clrMapOvr>
-</p:sld>
-</file>
-
-<file path=ppt/slides/slide6.xml><?xml version="1.0" encoding="utf-8"?>
 <p:sld xmlns:a="http://schemas.openxmlformats.org/drawingml/2006/main" xmlns:r="http://schemas.openxmlformats.org/officeDocument/2006/relationships" xmlns:p="http://schemas.openxmlformats.org/presentationml/2006/main">
   <p:cSld>
     <p:spTree>
@@ -2844,7 +2665,7 @@
 </p:sld>
 </file>
 
-<file path=ppt/slides/slide7.xml><?xml version="1.0" encoding="utf-8"?>
+<file path=ppt/slides/slide6.xml><?xml version="1.0" encoding="utf-8"?>
 <p:sld xmlns:a="http://schemas.openxmlformats.org/drawingml/2006/main" xmlns:r="http://schemas.openxmlformats.org/officeDocument/2006/relationships" xmlns:p="http://schemas.openxmlformats.org/presentationml/2006/main">
   <p:cSld>
     <p:spTree>
